--- a/cours/Jee/Java Jee.pptx
+++ b/cours/Jee/Java Jee.pptx
@@ -5,7 +5,7 @@
     <p:sldMasterId id="2147483706" r:id="rId1"/>
   </p:sldMasterIdLst>
   <p:notesMasterIdLst>
-    <p:notesMasterId r:id="rId7"/>
+    <p:notesMasterId r:id="rId8"/>
   </p:notesMasterIdLst>
   <p:sldIdLst>
     <p:sldId id="256" r:id="rId2"/>
@@ -13,6 +13,7 @@
     <p:sldId id="258" r:id="rId4"/>
     <p:sldId id="260" r:id="rId5"/>
     <p:sldId id="261" r:id="rId6"/>
+    <p:sldId id="262" r:id="rId7"/>
   </p:sldIdLst>
   <p:sldSz cx="12192000" cy="6858000"/>
   <p:notesSz cx="6858000" cy="9144000"/>
@@ -201,7 +202,7 @@
           <a:p>
             <a:fld id="{B170E3CD-8FC1-42AC-9931-D82994F2E1D6}" type="datetimeFigureOut">
               <a:rPr lang="fr-FR" smtClean="0"/>
-              <a:t>08/03/2022</a:t>
+              <a:t>09/03/2022</a:t>
             </a:fld>
             <a:endParaRPr lang="fr-FR"/>
           </a:p>
@@ -1644,7 +1645,7 @@
           <a:p>
             <a:fld id="{997AF5E8-50C5-4189-B290-F1CE09965D8A}" type="datetimeFigureOut">
               <a:rPr lang="fr-FR" smtClean="0"/>
-              <a:t>08/03/2022</a:t>
+              <a:t>09/03/2022</a:t>
             </a:fld>
             <a:endParaRPr lang="fr-FR"/>
           </a:p>
@@ -1895,7 +1896,7 @@
           <a:p>
             <a:fld id="{997AF5E8-50C5-4189-B290-F1CE09965D8A}" type="datetimeFigureOut">
               <a:rPr lang="fr-FR" smtClean="0"/>
-              <a:t>08/03/2022</a:t>
+              <a:t>09/03/2022</a:t>
             </a:fld>
             <a:endParaRPr lang="fr-FR"/>
           </a:p>
@@ -2209,7 +2210,7 @@
           <a:p>
             <a:fld id="{997AF5E8-50C5-4189-B290-F1CE09965D8A}" type="datetimeFigureOut">
               <a:rPr lang="fr-FR" smtClean="0"/>
-              <a:t>08/03/2022</a:t>
+              <a:t>09/03/2022</a:t>
             </a:fld>
             <a:endParaRPr lang="fr-FR"/>
           </a:p>
@@ -2550,7 +2551,7 @@
           <a:p>
             <a:fld id="{997AF5E8-50C5-4189-B290-F1CE09965D8A}" type="datetimeFigureOut">
               <a:rPr lang="fr-FR" smtClean="0"/>
-              <a:t>08/03/2022</a:t>
+              <a:t>09/03/2022</a:t>
             </a:fld>
             <a:endParaRPr lang="fr-FR"/>
           </a:p>
@@ -2864,7 +2865,7 @@
           <a:p>
             <a:fld id="{997AF5E8-50C5-4189-B290-F1CE09965D8A}" type="datetimeFigureOut">
               <a:rPr lang="fr-FR" smtClean="0"/>
-              <a:t>08/03/2022</a:t>
+              <a:t>09/03/2022</a:t>
             </a:fld>
             <a:endParaRPr lang="fr-FR"/>
           </a:p>
@@ -3257,7 +3258,7 @@
           <a:p>
             <a:fld id="{997AF5E8-50C5-4189-B290-F1CE09965D8A}" type="datetimeFigureOut">
               <a:rPr lang="fr-FR" smtClean="0"/>
-              <a:t>08/03/2022</a:t>
+              <a:t>09/03/2022</a:t>
             </a:fld>
             <a:endParaRPr lang="fr-FR"/>
           </a:p>
@@ -3427,7 +3428,7 @@
           <a:p>
             <a:fld id="{997AF5E8-50C5-4189-B290-F1CE09965D8A}" type="datetimeFigureOut">
               <a:rPr lang="fr-FR" smtClean="0"/>
-              <a:t>08/03/2022</a:t>
+              <a:t>09/03/2022</a:t>
             </a:fld>
             <a:endParaRPr lang="fr-FR"/>
           </a:p>
@@ -3607,7 +3608,7 @@
           <a:p>
             <a:fld id="{997AF5E8-50C5-4189-B290-F1CE09965D8A}" type="datetimeFigureOut">
               <a:rPr lang="fr-FR" smtClean="0"/>
-              <a:t>08/03/2022</a:t>
+              <a:t>09/03/2022</a:t>
             </a:fld>
             <a:endParaRPr lang="fr-FR"/>
           </a:p>
@@ -3783,7 +3784,7 @@
           <a:p>
             <a:fld id="{997AF5E8-50C5-4189-B290-F1CE09965D8A}" type="datetimeFigureOut">
               <a:rPr lang="fr-FR" smtClean="0"/>
-              <a:t>08/03/2022</a:t>
+              <a:t>09/03/2022</a:t>
             </a:fld>
             <a:endParaRPr lang="fr-FR"/>
           </a:p>
@@ -4030,7 +4031,7 @@
           <a:p>
             <a:fld id="{997AF5E8-50C5-4189-B290-F1CE09965D8A}" type="datetimeFigureOut">
               <a:rPr lang="fr-FR" smtClean="0"/>
-              <a:t>08/03/2022</a:t>
+              <a:t>09/03/2022</a:t>
             </a:fld>
             <a:endParaRPr lang="fr-FR"/>
           </a:p>
@@ -4262,7 +4263,7 @@
           <a:p>
             <a:fld id="{997AF5E8-50C5-4189-B290-F1CE09965D8A}" type="datetimeFigureOut">
               <a:rPr lang="fr-FR" smtClean="0"/>
-              <a:t>08/03/2022</a:t>
+              <a:t>09/03/2022</a:t>
             </a:fld>
             <a:endParaRPr lang="fr-FR"/>
           </a:p>
@@ -4636,7 +4637,7 @@
           <a:p>
             <a:fld id="{997AF5E8-50C5-4189-B290-F1CE09965D8A}" type="datetimeFigureOut">
               <a:rPr lang="fr-FR" smtClean="0"/>
-              <a:t>08/03/2022</a:t>
+              <a:t>09/03/2022</a:t>
             </a:fld>
             <a:endParaRPr lang="fr-FR"/>
           </a:p>
@@ -4759,7 +4760,7 @@
           <a:p>
             <a:fld id="{997AF5E8-50C5-4189-B290-F1CE09965D8A}" type="datetimeFigureOut">
               <a:rPr lang="fr-FR" smtClean="0"/>
-              <a:t>08/03/2022</a:t>
+              <a:t>09/03/2022</a:t>
             </a:fld>
             <a:endParaRPr lang="fr-FR"/>
           </a:p>
@@ -4854,7 +4855,7 @@
           <a:p>
             <a:fld id="{997AF5E8-50C5-4189-B290-F1CE09965D8A}" type="datetimeFigureOut">
               <a:rPr lang="fr-FR" smtClean="0"/>
-              <a:t>08/03/2022</a:t>
+              <a:t>09/03/2022</a:t>
             </a:fld>
             <a:endParaRPr lang="fr-FR"/>
           </a:p>
@@ -5109,7 +5110,7 @@
           <a:p>
             <a:fld id="{997AF5E8-50C5-4189-B290-F1CE09965D8A}" type="datetimeFigureOut">
               <a:rPr lang="fr-FR" smtClean="0"/>
-              <a:t>08/03/2022</a:t>
+              <a:t>09/03/2022</a:t>
             </a:fld>
             <a:endParaRPr lang="fr-FR"/>
           </a:p>
@@ -5372,7 +5373,7 @@
           <a:p>
             <a:fld id="{997AF5E8-50C5-4189-B290-F1CE09965D8A}" type="datetimeFigureOut">
               <a:rPr lang="fr-FR" smtClean="0"/>
-              <a:t>08/03/2022</a:t>
+              <a:t>09/03/2022</a:t>
             </a:fld>
             <a:endParaRPr lang="fr-FR"/>
           </a:p>
@@ -6115,7 +6116,7 @@
           <a:p>
             <a:fld id="{997AF5E8-50C5-4189-B290-F1CE09965D8A}" type="datetimeFigureOut">
               <a:rPr lang="fr-FR" smtClean="0"/>
-              <a:t>08/03/2022</a:t>
+              <a:t>09/03/2022</a:t>
             </a:fld>
             <a:endParaRPr lang="fr-FR"/>
           </a:p>
@@ -10165,6 +10166,763 @@
 </p:sld>
 </file>
 
+<file path=ppt/slides/slide6.xml><?xml version="1.0" encoding="utf-8"?>
+<p:sld xmlns:a="http://schemas.openxmlformats.org/drawingml/2006/main" xmlns:r="http://schemas.openxmlformats.org/officeDocument/2006/relationships" xmlns:p="http://schemas.openxmlformats.org/presentationml/2006/main">
+  <p:cSld>
+    <p:spTree>
+      <p:nvGrpSpPr>
+        <p:cNvPr id="1" name=""/>
+        <p:cNvGrpSpPr/>
+        <p:nvPr/>
+      </p:nvGrpSpPr>
+      <p:grpSpPr>
+        <a:xfrm>
+          <a:off x="0" y="0"/>
+          <a:ext cx="0" cy="0"/>
+          <a:chOff x="0" y="0"/>
+          <a:chExt cx="0" cy="0"/>
+        </a:xfrm>
+      </p:grpSpPr>
+      <p:sp>
+        <p:nvSpPr>
+          <p:cNvPr id="2" name="Titre 1">
+            <a:extLst>
+              <a:ext uri="{FF2B5EF4-FFF2-40B4-BE49-F238E27FC236}">
+                <a16:creationId xmlns:a16="http://schemas.microsoft.com/office/drawing/2014/main" id="{858E8E98-EA29-4505-956C-793214868AC6}"/>
+              </a:ext>
+            </a:extLst>
+          </p:cNvPr>
+          <p:cNvSpPr>
+            <a:spLocks noGrp="1"/>
+          </p:cNvSpPr>
+          <p:nvPr>
+            <p:ph type="title"/>
+          </p:nvPr>
+        </p:nvSpPr>
+        <p:spPr/>
+        <p:txBody>
+          <a:bodyPr/>
+          <a:lstStyle/>
+          <a:p>
+            <a:pPr algn="ctr"/>
+            <a:r>
+              <a:rPr lang="fr-FR" dirty="0" err="1"/>
+              <a:t>Oneline</a:t>
+            </a:r>
+            <a:r>
+              <a:rPr lang="fr-FR" dirty="0"/>
+              <a:t> Store</a:t>
+            </a:r>
+          </a:p>
+        </p:txBody>
+      </p:sp>
+      <p:pic>
+        <p:nvPicPr>
+          <p:cNvPr id="7" name="Espace réservé du contenu 6" descr="Groupe de femmes">
+            <a:extLst>
+              <a:ext uri="{FF2B5EF4-FFF2-40B4-BE49-F238E27FC236}">
+                <a16:creationId xmlns:a16="http://schemas.microsoft.com/office/drawing/2014/main" id="{51B90EDB-40C9-454D-8BE3-FFCED2F93061}"/>
+              </a:ext>
+            </a:extLst>
+          </p:cNvPr>
+          <p:cNvPicPr>
+            <a:picLocks noGrp="1" noChangeAspect="1"/>
+          </p:cNvPicPr>
+          <p:nvPr>
+            <p:ph idx="1"/>
+          </p:nvPr>
+        </p:nvPicPr>
+        <p:blipFill>
+          <a:blip r:embed="rId2">
+            <a:extLst>
+              <a:ext uri="{28A0092B-C50C-407E-A947-70E740481C1C}">
+                <a14:useLocalDpi xmlns:a14="http://schemas.microsoft.com/office/drawing/2010/main" val="0"/>
+              </a:ext>
+              <a:ext uri="{96DAC541-7B7A-43D3-8B79-37D633B846F1}">
+                <asvg:svgBlip xmlns:asvg="http://schemas.microsoft.com/office/drawing/2016/SVG/main" r:embed="rId3"/>
+              </a:ext>
+            </a:extLst>
+          </a:blip>
+          <a:stretch>
+            <a:fillRect/>
+          </a:stretch>
+        </p:blipFill>
+        <p:spPr>
+          <a:xfrm>
+            <a:off x="1643866" y="3206844"/>
+            <a:ext cx="914400" cy="914400"/>
+          </a:xfrm>
+        </p:spPr>
+      </p:pic>
+      <p:sp>
+        <p:nvSpPr>
+          <p:cNvPr id="4" name="ZoneTexte 3">
+            <a:extLst>
+              <a:ext uri="{FF2B5EF4-FFF2-40B4-BE49-F238E27FC236}">
+                <a16:creationId xmlns:a16="http://schemas.microsoft.com/office/drawing/2014/main" id="{F8372881-18BD-4BF8-8B67-6A6229BE2C6F}"/>
+              </a:ext>
+            </a:extLst>
+          </p:cNvPr>
+          <p:cNvSpPr txBox="1"/>
+          <p:nvPr/>
+        </p:nvSpPr>
+        <p:spPr>
+          <a:xfrm>
+            <a:off x="1040261" y="2696226"/>
+            <a:ext cx="2208944" cy="369332"/>
+          </a:xfrm>
+          <a:prstGeom prst="rect">
+            <a:avLst/>
+          </a:prstGeom>
+          <a:noFill/>
+        </p:spPr>
+        <p:txBody>
+          <a:bodyPr wrap="square" rtlCol="0">
+            <a:spAutoFit/>
+          </a:bodyPr>
+          <a:lstStyle/>
+          <a:p>
+            <a:pPr algn="ctr"/>
+            <a:r>
+              <a:rPr lang="fr-FR" dirty="0"/>
+              <a:t>Backend</a:t>
+            </a:r>
+          </a:p>
+        </p:txBody>
+      </p:sp>
+      <p:sp>
+        <p:nvSpPr>
+          <p:cNvPr id="5" name="ZoneTexte 4">
+            <a:extLst>
+              <a:ext uri="{FF2B5EF4-FFF2-40B4-BE49-F238E27FC236}">
+                <a16:creationId xmlns:a16="http://schemas.microsoft.com/office/drawing/2014/main" id="{A7A91A6D-E9CC-49D2-A42D-D59C00083531}"/>
+              </a:ext>
+            </a:extLst>
+          </p:cNvPr>
+          <p:cNvSpPr txBox="1"/>
+          <p:nvPr/>
+        </p:nvSpPr>
+        <p:spPr>
+          <a:xfrm>
+            <a:off x="6381013" y="2795377"/>
+            <a:ext cx="2506894" cy="369332"/>
+          </a:xfrm>
+          <a:prstGeom prst="rect">
+            <a:avLst/>
+          </a:prstGeom>
+          <a:noFill/>
+        </p:spPr>
+        <p:txBody>
+          <a:bodyPr wrap="square" rtlCol="0">
+            <a:spAutoFit/>
+          </a:bodyPr>
+          <a:lstStyle/>
+          <a:p>
+            <a:r>
+              <a:rPr lang="fr-FR" dirty="0"/>
+              <a:t>Frontend</a:t>
+            </a:r>
+          </a:p>
+        </p:txBody>
+      </p:sp>
+      <p:pic>
+        <p:nvPicPr>
+          <p:cNvPr id="8" name="Espace réservé du contenu 6" descr="Groupe de femmes">
+            <a:extLst>
+              <a:ext uri="{FF2B5EF4-FFF2-40B4-BE49-F238E27FC236}">
+                <a16:creationId xmlns:a16="http://schemas.microsoft.com/office/drawing/2014/main" id="{7AC04EA4-F470-4219-99EE-B96039FCC610}"/>
+              </a:ext>
+            </a:extLst>
+          </p:cNvPr>
+          <p:cNvPicPr>
+            <a:picLocks noChangeAspect="1"/>
+          </p:cNvPicPr>
+          <p:nvPr/>
+        </p:nvPicPr>
+        <p:blipFill>
+          <a:blip r:embed="rId2">
+            <a:extLst>
+              <a:ext uri="{28A0092B-C50C-407E-A947-70E740481C1C}">
+                <a14:useLocalDpi xmlns:a14="http://schemas.microsoft.com/office/drawing/2010/main" val="0"/>
+              </a:ext>
+              <a:ext uri="{96DAC541-7B7A-43D3-8B79-37D633B846F1}">
+                <asvg:svgBlip xmlns:asvg="http://schemas.microsoft.com/office/drawing/2016/SVG/main" r:embed="rId3"/>
+              </a:ext>
+            </a:extLst>
+          </a:blip>
+          <a:stretch>
+            <a:fillRect/>
+          </a:stretch>
+        </p:blipFill>
+        <p:spPr>
+          <a:xfrm>
+            <a:off x="6522378" y="3206844"/>
+            <a:ext cx="914400" cy="914400"/>
+          </a:xfrm>
+          <a:prstGeom prst="rect">
+            <a:avLst/>
+          </a:prstGeom>
+        </p:spPr>
+      </p:pic>
+      <p:sp>
+        <p:nvSpPr>
+          <p:cNvPr id="9" name="ZoneTexte 8">
+            <a:extLst>
+              <a:ext uri="{FF2B5EF4-FFF2-40B4-BE49-F238E27FC236}">
+                <a16:creationId xmlns:a16="http://schemas.microsoft.com/office/drawing/2014/main" id="{76A6500F-391E-4E5E-8A0E-96D10C5D4663}"/>
+              </a:ext>
+            </a:extLst>
+          </p:cNvPr>
+          <p:cNvSpPr txBox="1"/>
+          <p:nvPr/>
+        </p:nvSpPr>
+        <p:spPr>
+          <a:xfrm>
+            <a:off x="1109611" y="4403817"/>
+            <a:ext cx="2301411" cy="2031325"/>
+          </a:xfrm>
+          <a:prstGeom prst="rect">
+            <a:avLst/>
+          </a:prstGeom>
+          <a:noFill/>
+          <a:ln>
+            <a:solidFill>
+              <a:schemeClr val="tx1"/>
+            </a:solidFill>
+          </a:ln>
+        </p:spPr>
+        <p:txBody>
+          <a:bodyPr wrap="square" rtlCol="0">
+            <a:spAutoFit/>
+          </a:bodyPr>
+          <a:lstStyle/>
+          <a:p>
+            <a:pPr marL="285750" indent="-285750">
+              <a:buFont typeface="Arial" panose="020B0604020202020204" pitchFamily="34" charset="0"/>
+              <a:buChar char="•"/>
+            </a:pPr>
+            <a:r>
+              <a:rPr lang="fr-FR" dirty="0"/>
+              <a:t>Model</a:t>
+            </a:r>
+          </a:p>
+          <a:p>
+            <a:pPr marL="742950" lvl="1" indent="-285750">
+              <a:buFont typeface="Arial" panose="020B0604020202020204" pitchFamily="34" charset="0"/>
+              <a:buChar char="•"/>
+            </a:pPr>
+            <a:r>
+              <a:rPr lang="fr-FR" dirty="0" err="1"/>
+              <a:t>Entity</a:t>
+            </a:r>
+            <a:endParaRPr lang="fr-FR" dirty="0"/>
+          </a:p>
+          <a:p>
+            <a:pPr marL="1200150" lvl="2" indent="-285750">
+              <a:buFont typeface="Arial" panose="020B0604020202020204" pitchFamily="34" charset="0"/>
+              <a:buChar char="•"/>
+            </a:pPr>
+            <a:r>
+              <a:rPr lang="fr-FR" dirty="0"/>
+              <a:t>Person</a:t>
+            </a:r>
+          </a:p>
+          <a:p>
+            <a:pPr marL="285750" indent="-285750">
+              <a:buFont typeface="Arial" panose="020B0604020202020204" pitchFamily="34" charset="0"/>
+              <a:buChar char="•"/>
+            </a:pPr>
+            <a:endParaRPr lang="fr-FR" dirty="0"/>
+          </a:p>
+          <a:p>
+            <a:pPr marL="285750" indent="-285750">
+              <a:buFont typeface="Arial" panose="020B0604020202020204" pitchFamily="34" charset="0"/>
+              <a:buChar char="•"/>
+            </a:pPr>
+            <a:r>
+              <a:rPr lang="fr-FR" dirty="0" err="1"/>
+              <a:t>View</a:t>
+            </a:r>
+            <a:endParaRPr lang="fr-FR" dirty="0"/>
+          </a:p>
+          <a:p>
+            <a:pPr marL="285750" indent="-285750">
+              <a:buFont typeface="Arial" panose="020B0604020202020204" pitchFamily="34" charset="0"/>
+              <a:buChar char="•"/>
+            </a:pPr>
+            <a:endParaRPr lang="fr-FR" dirty="0"/>
+          </a:p>
+          <a:p>
+            <a:pPr marL="285750" indent="-285750">
+              <a:buFont typeface="Arial" panose="020B0604020202020204" pitchFamily="34" charset="0"/>
+              <a:buChar char="•"/>
+            </a:pPr>
+            <a:r>
+              <a:rPr lang="fr-FR" dirty="0"/>
+              <a:t>Controller</a:t>
+            </a:r>
+          </a:p>
+        </p:txBody>
+      </p:sp>
+      <p:sp>
+        <p:nvSpPr>
+          <p:cNvPr id="10" name="ZoneTexte 9">
+            <a:extLst>
+              <a:ext uri="{FF2B5EF4-FFF2-40B4-BE49-F238E27FC236}">
+                <a16:creationId xmlns:a16="http://schemas.microsoft.com/office/drawing/2014/main" id="{24127909-97DF-4D3A-BB10-D6B41E05A25C}"/>
+              </a:ext>
+            </a:extLst>
+          </p:cNvPr>
+          <p:cNvSpPr txBox="1"/>
+          <p:nvPr/>
+        </p:nvSpPr>
+        <p:spPr>
+          <a:xfrm>
+            <a:off x="6003532" y="4403816"/>
+            <a:ext cx="2301411" cy="2031325"/>
+          </a:xfrm>
+          <a:prstGeom prst="rect">
+            <a:avLst/>
+          </a:prstGeom>
+          <a:noFill/>
+          <a:ln>
+            <a:solidFill>
+              <a:schemeClr val="tx1"/>
+            </a:solidFill>
+          </a:ln>
+        </p:spPr>
+        <p:txBody>
+          <a:bodyPr wrap="square" rtlCol="0">
+            <a:spAutoFit/>
+          </a:bodyPr>
+          <a:lstStyle/>
+          <a:p>
+            <a:pPr marL="285750" indent="-285750">
+              <a:buFont typeface="Arial" panose="020B0604020202020204" pitchFamily="34" charset="0"/>
+              <a:buChar char="•"/>
+            </a:pPr>
+            <a:r>
+              <a:rPr lang="fr-FR" dirty="0"/>
+              <a:t>Model</a:t>
+            </a:r>
+          </a:p>
+          <a:p>
+            <a:pPr marL="742950" lvl="1" indent="-285750">
+              <a:buFont typeface="Arial" panose="020B0604020202020204" pitchFamily="34" charset="0"/>
+              <a:buChar char="•"/>
+            </a:pPr>
+            <a:r>
+              <a:rPr lang="fr-FR" dirty="0" err="1"/>
+              <a:t>Entity</a:t>
+            </a:r>
+            <a:endParaRPr lang="fr-FR" dirty="0"/>
+          </a:p>
+          <a:p>
+            <a:pPr marL="1200150" lvl="2" indent="-285750">
+              <a:buFont typeface="Arial" panose="020B0604020202020204" pitchFamily="34" charset="0"/>
+              <a:buChar char="•"/>
+            </a:pPr>
+            <a:endParaRPr lang="fr-FR" dirty="0"/>
+          </a:p>
+          <a:p>
+            <a:pPr marL="285750" indent="-285750">
+              <a:buFont typeface="Arial" panose="020B0604020202020204" pitchFamily="34" charset="0"/>
+              <a:buChar char="•"/>
+            </a:pPr>
+            <a:endParaRPr lang="fr-FR" dirty="0"/>
+          </a:p>
+          <a:p>
+            <a:pPr marL="285750" indent="-285750">
+              <a:buFont typeface="Arial" panose="020B0604020202020204" pitchFamily="34" charset="0"/>
+              <a:buChar char="•"/>
+            </a:pPr>
+            <a:r>
+              <a:rPr lang="fr-FR" dirty="0" err="1"/>
+              <a:t>View</a:t>
+            </a:r>
+            <a:endParaRPr lang="fr-FR" dirty="0"/>
+          </a:p>
+          <a:p>
+            <a:pPr marL="285750" indent="-285750">
+              <a:buFont typeface="Arial" panose="020B0604020202020204" pitchFamily="34" charset="0"/>
+              <a:buChar char="•"/>
+            </a:pPr>
+            <a:endParaRPr lang="fr-FR" dirty="0"/>
+          </a:p>
+          <a:p>
+            <a:pPr marL="285750" indent="-285750">
+              <a:buFont typeface="Arial" panose="020B0604020202020204" pitchFamily="34" charset="0"/>
+              <a:buChar char="•"/>
+            </a:pPr>
+            <a:r>
+              <a:rPr lang="fr-FR" dirty="0"/>
+              <a:t>Controller</a:t>
+            </a:r>
+          </a:p>
+        </p:txBody>
+      </p:sp>
+      <p:grpSp>
+        <p:nvGrpSpPr>
+          <p:cNvPr id="19" name="Groupe 18">
+            <a:extLst>
+              <a:ext uri="{FF2B5EF4-FFF2-40B4-BE49-F238E27FC236}">
+                <a16:creationId xmlns:a16="http://schemas.microsoft.com/office/drawing/2014/main" id="{365A0B9C-0EE6-431F-A996-7E6F13849595}"/>
+              </a:ext>
+            </a:extLst>
+          </p:cNvPr>
+          <p:cNvGrpSpPr/>
+          <p:nvPr/>
+        </p:nvGrpSpPr>
+        <p:grpSpPr>
+          <a:xfrm>
+            <a:off x="1448657" y="1304837"/>
+            <a:ext cx="6041965" cy="1205916"/>
+            <a:chOff x="1448657" y="1304837"/>
+            <a:chExt cx="6041965" cy="1205916"/>
+          </a:xfrm>
+        </p:grpSpPr>
+        <p:pic>
+          <p:nvPicPr>
+            <p:cNvPr id="12" name="Image 11">
+              <a:extLst>
+                <a:ext uri="{FF2B5EF4-FFF2-40B4-BE49-F238E27FC236}">
+                  <a16:creationId xmlns:a16="http://schemas.microsoft.com/office/drawing/2014/main" id="{3D448E53-BAE9-49DF-8744-4E19C5E85819}"/>
+                </a:ext>
+              </a:extLst>
+            </p:cNvPr>
+            <p:cNvPicPr>
+              <a:picLocks noChangeAspect="1"/>
+            </p:cNvPicPr>
+            <p:nvPr/>
+          </p:nvPicPr>
+          <p:blipFill>
+            <a:blip r:embed="rId4">
+              <a:extLst>
+                <a:ext uri="{28A0092B-C50C-407E-A947-70E740481C1C}">
+                  <a14:useLocalDpi xmlns:a14="http://schemas.microsoft.com/office/drawing/2010/main" val="0"/>
+                </a:ext>
+              </a:extLst>
+            </a:blip>
+            <a:stretch>
+              <a:fillRect/>
+            </a:stretch>
+          </p:blipFill>
+          <p:spPr>
+            <a:xfrm>
+              <a:off x="1448657" y="1401144"/>
+              <a:ext cx="1109609" cy="1109609"/>
+            </a:xfrm>
+            <a:prstGeom prst="rect">
+              <a:avLst/>
+            </a:prstGeom>
+          </p:spPr>
+        </p:pic>
+        <p:pic>
+          <p:nvPicPr>
+            <p:cNvPr id="13" name="Image 12">
+              <a:extLst>
+                <a:ext uri="{FF2B5EF4-FFF2-40B4-BE49-F238E27FC236}">
+                  <a16:creationId xmlns:a16="http://schemas.microsoft.com/office/drawing/2014/main" id="{F1817782-69E7-42DF-87B3-7D6FC17ADAE1}"/>
+                </a:ext>
+              </a:extLst>
+            </p:cNvPr>
+            <p:cNvPicPr>
+              <a:picLocks noChangeAspect="1"/>
+            </p:cNvPicPr>
+            <p:nvPr/>
+          </p:nvPicPr>
+          <p:blipFill>
+            <a:blip r:embed="rId4">
+              <a:extLst>
+                <a:ext uri="{28A0092B-C50C-407E-A947-70E740481C1C}">
+                  <a14:useLocalDpi xmlns:a14="http://schemas.microsoft.com/office/drawing/2010/main" val="0"/>
+                </a:ext>
+              </a:extLst>
+            </a:blip>
+            <a:stretch>
+              <a:fillRect/>
+            </a:stretch>
+          </p:blipFill>
+          <p:spPr>
+            <a:xfrm>
+              <a:off x="6381013" y="1304837"/>
+              <a:ext cx="1109609" cy="1109609"/>
+            </a:xfrm>
+            <a:prstGeom prst="rect">
+              <a:avLst/>
+            </a:prstGeom>
+          </p:spPr>
+        </p:pic>
+      </p:grpSp>
+      <p:grpSp>
+        <p:nvGrpSpPr>
+          <p:cNvPr id="18" name="Groupe 17">
+            <a:extLst>
+              <a:ext uri="{FF2B5EF4-FFF2-40B4-BE49-F238E27FC236}">
+                <a16:creationId xmlns:a16="http://schemas.microsoft.com/office/drawing/2014/main" id="{9C07DA81-743B-4DB4-AD54-2A7C73ADF39D}"/>
+              </a:ext>
+            </a:extLst>
+          </p:cNvPr>
+          <p:cNvGrpSpPr/>
+          <p:nvPr/>
+        </p:nvGrpSpPr>
+        <p:grpSpPr>
+          <a:xfrm>
+            <a:off x="3534310" y="4675279"/>
+            <a:ext cx="4181582" cy="790573"/>
+            <a:chOff x="3534310" y="4675279"/>
+            <a:chExt cx="4181582" cy="790573"/>
+          </a:xfrm>
+        </p:grpSpPr>
+        <p:sp>
+          <p:nvSpPr>
+            <p:cNvPr id="14" name="ZoneTexte 13">
+              <a:extLst>
+                <a:ext uri="{FF2B5EF4-FFF2-40B4-BE49-F238E27FC236}">
+                  <a16:creationId xmlns:a16="http://schemas.microsoft.com/office/drawing/2014/main" id="{2FACA947-905D-4DB0-B25F-B312995F6671}"/>
+                </a:ext>
+              </a:extLst>
+            </p:cNvPr>
+            <p:cNvSpPr txBox="1"/>
+            <p:nvPr/>
+          </p:nvSpPr>
+          <p:spPr>
+            <a:xfrm>
+              <a:off x="6688476" y="5044611"/>
+              <a:ext cx="1027416" cy="421241"/>
+            </a:xfrm>
+            <a:prstGeom prst="rect">
+              <a:avLst/>
+            </a:prstGeom>
+            <a:noFill/>
+            <a:ln>
+              <a:solidFill>
+                <a:schemeClr val="accent1"/>
+              </a:solidFill>
+            </a:ln>
+          </p:spPr>
+          <p:txBody>
+            <a:bodyPr wrap="square" rtlCol="0">
+              <a:spAutoFit/>
+            </a:bodyPr>
+            <a:lstStyle/>
+            <a:p>
+              <a:endParaRPr lang="fr-FR" dirty="0"/>
+            </a:p>
+          </p:txBody>
+        </p:sp>
+        <p:cxnSp>
+          <p:nvCxnSpPr>
+            <p:cNvPr id="16" name="Connecteur droit avec flèche 15">
+              <a:extLst>
+                <a:ext uri="{FF2B5EF4-FFF2-40B4-BE49-F238E27FC236}">
+                  <a16:creationId xmlns:a16="http://schemas.microsoft.com/office/drawing/2014/main" id="{7CDF3DB8-6233-4193-8724-A11C59E4F81C}"/>
+                </a:ext>
+              </a:extLst>
+            </p:cNvPr>
+            <p:cNvCxnSpPr/>
+            <p:nvPr/>
+          </p:nvCxnSpPr>
+          <p:spPr>
+            <a:xfrm flipH="1" flipV="1">
+              <a:off x="3534310" y="5126804"/>
+              <a:ext cx="2988068" cy="174661"/>
+            </a:xfrm>
+            <a:prstGeom prst="straightConnector1">
+              <a:avLst/>
+            </a:prstGeom>
+            <a:ln>
+              <a:tailEnd type="triangle"/>
+            </a:ln>
+          </p:spPr>
+          <p:style>
+            <a:lnRef idx="1">
+              <a:schemeClr val="accent1"/>
+            </a:lnRef>
+            <a:fillRef idx="0">
+              <a:schemeClr val="accent1"/>
+            </a:fillRef>
+            <a:effectRef idx="0">
+              <a:schemeClr val="accent1"/>
+            </a:effectRef>
+            <a:fontRef idx="minor">
+              <a:schemeClr val="tx1"/>
+            </a:fontRef>
+          </p:style>
+        </p:cxnSp>
+        <p:sp>
+          <p:nvSpPr>
+            <p:cNvPr id="17" name="ZoneTexte 16">
+              <a:extLst>
+                <a:ext uri="{FF2B5EF4-FFF2-40B4-BE49-F238E27FC236}">
+                  <a16:creationId xmlns:a16="http://schemas.microsoft.com/office/drawing/2014/main" id="{1ECD9218-9327-4DF8-8E8A-CF0501B632A8}"/>
+                </a:ext>
+              </a:extLst>
+            </p:cNvPr>
+            <p:cNvSpPr txBox="1"/>
+            <p:nvPr/>
+          </p:nvSpPr>
+          <p:spPr>
+            <a:xfrm>
+              <a:off x="4054867" y="4675279"/>
+              <a:ext cx="1777430" cy="369332"/>
+            </a:xfrm>
+            <a:prstGeom prst="rect">
+              <a:avLst/>
+            </a:prstGeom>
+            <a:noFill/>
+          </p:spPr>
+          <p:txBody>
+            <a:bodyPr wrap="square" rtlCol="0">
+              <a:spAutoFit/>
+            </a:bodyPr>
+            <a:lstStyle/>
+            <a:p>
+              <a:r>
+                <a:rPr lang="fr-FR" dirty="0">
+                  <a:solidFill>
+                    <a:schemeClr val="accent1"/>
+                  </a:solidFill>
+                </a:rPr>
+                <a:t>Dépendance</a:t>
+              </a:r>
+            </a:p>
+          </p:txBody>
+        </p:sp>
+      </p:grpSp>
+    </p:spTree>
+    <p:extLst>
+      <p:ext uri="{BB962C8B-B14F-4D97-AF65-F5344CB8AC3E}">
+        <p14:creationId xmlns:p14="http://schemas.microsoft.com/office/powerpoint/2010/main" val="512588438"/>
+      </p:ext>
+    </p:extLst>
+  </p:cSld>
+  <p:clrMapOvr>
+    <a:masterClrMapping/>
+  </p:clrMapOvr>
+  <p:timing>
+    <p:tnLst>
+      <p:par>
+        <p:cTn id="1" dur="indefinite" restart="never" nodeType="tmRoot">
+          <p:childTnLst>
+            <p:seq concurrent="1" nextAc="seek">
+              <p:cTn id="2" dur="indefinite" nodeType="mainSeq">
+                <p:childTnLst>
+                  <p:par>
+                    <p:cTn id="3" fill="hold">
+                      <p:stCondLst>
+                        <p:cond delay="indefinite"/>
+                      </p:stCondLst>
+                      <p:childTnLst>
+                        <p:par>
+                          <p:cTn id="4" fill="hold">
+                            <p:stCondLst>
+                              <p:cond delay="0"/>
+                            </p:stCondLst>
+                            <p:childTnLst>
+                              <p:par>
+                                <p:cTn id="5" presetID="1" presetClass="entr" presetSubtype="0" fill="hold" nodeType="clickEffect">
+                                  <p:stCondLst>
+                                    <p:cond delay="0"/>
+                                  </p:stCondLst>
+                                  <p:childTnLst>
+                                    <p:set>
+                                      <p:cBhvr>
+                                        <p:cTn id="6" dur="1" fill="hold">
+                                          <p:stCondLst>
+                                            <p:cond delay="0"/>
+                                          </p:stCondLst>
+                                        </p:cTn>
+                                        <p:tgtEl>
+                                          <p:spTgt spid="18"/>
+                                        </p:tgtEl>
+                                        <p:attrNameLst>
+                                          <p:attrName>style.visibility</p:attrName>
+                                        </p:attrNameLst>
+                                      </p:cBhvr>
+                                      <p:to>
+                                        <p:strVal val="visible"/>
+                                      </p:to>
+                                    </p:set>
+                                  </p:childTnLst>
+                                </p:cTn>
+                              </p:par>
+                            </p:childTnLst>
+                          </p:cTn>
+                        </p:par>
+                      </p:childTnLst>
+                    </p:cTn>
+                  </p:par>
+                  <p:par>
+                    <p:cTn id="7" fill="hold">
+                      <p:stCondLst>
+                        <p:cond delay="indefinite"/>
+                      </p:stCondLst>
+                      <p:childTnLst>
+                        <p:par>
+                          <p:cTn id="8" fill="hold">
+                            <p:stCondLst>
+                              <p:cond delay="0"/>
+                            </p:stCondLst>
+                            <p:childTnLst>
+                              <p:par>
+                                <p:cTn id="9" presetID="1" presetClass="entr" presetSubtype="0" fill="hold" nodeType="clickEffect">
+                                  <p:stCondLst>
+                                    <p:cond delay="0"/>
+                                  </p:stCondLst>
+                                  <p:childTnLst>
+                                    <p:set>
+                                      <p:cBhvr>
+                                        <p:cTn id="10" dur="1" fill="hold">
+                                          <p:stCondLst>
+                                            <p:cond delay="0"/>
+                                          </p:stCondLst>
+                                        </p:cTn>
+                                        <p:tgtEl>
+                                          <p:spTgt spid="19"/>
+                                        </p:tgtEl>
+                                        <p:attrNameLst>
+                                          <p:attrName>style.visibility</p:attrName>
+                                        </p:attrNameLst>
+                                      </p:cBhvr>
+                                      <p:to>
+                                        <p:strVal val="visible"/>
+                                      </p:to>
+                                    </p:set>
+                                  </p:childTnLst>
+                                </p:cTn>
+                              </p:par>
+                            </p:childTnLst>
+                          </p:cTn>
+                        </p:par>
+                      </p:childTnLst>
+                    </p:cTn>
+                  </p:par>
+                </p:childTnLst>
+              </p:cTn>
+              <p:prevCondLst>
+                <p:cond evt="onPrev" delay="0">
+                  <p:tgtEl>
+                    <p:sldTgt/>
+                  </p:tgtEl>
+                </p:cond>
+              </p:prevCondLst>
+              <p:nextCondLst>
+                <p:cond evt="onNext" delay="0">
+                  <p:tgtEl>
+                    <p:sldTgt/>
+                  </p:tgtEl>
+                </p:cond>
+              </p:nextCondLst>
+            </p:seq>
+          </p:childTnLst>
+        </p:cTn>
+      </p:par>
+    </p:tnLst>
+  </p:timing>
+</p:sld>
+</file>
+
 <file path=ppt/theme/theme1.xml><?xml version="1.0" encoding="utf-8"?>
 <a:theme xmlns:a="http://schemas.openxmlformats.org/drawingml/2006/main" name="Facette">
   <a:themeElements>
